--- a/Automation Testing/01_Basic Testing Concepts.pptx
+++ b/Automation Testing/01_Basic Testing Concepts.pptx
@@ -5,7 +5,7 @@
     <p:sldMasterId id="2147483660" r:id="rId1"/>
   </p:sldMasterIdLst>
   <p:notesMasterIdLst>
-    <p:notesMasterId r:id="rId26"/>
+    <p:notesMasterId r:id="rId31"/>
   </p:notesMasterIdLst>
   <p:sldIdLst>
     <p:sldId id="256" r:id="rId2"/>
@@ -24,14 +24,19 @@
     <p:sldId id="270" r:id="rId15"/>
     <p:sldId id="271" r:id="rId16"/>
     <p:sldId id="272" r:id="rId17"/>
-    <p:sldId id="274" r:id="rId18"/>
-    <p:sldId id="275" r:id="rId19"/>
-    <p:sldId id="276" r:id="rId20"/>
-    <p:sldId id="277" r:id="rId21"/>
-    <p:sldId id="278" r:id="rId22"/>
-    <p:sldId id="279" r:id="rId23"/>
-    <p:sldId id="280" r:id="rId24"/>
-    <p:sldId id="281" r:id="rId25"/>
+    <p:sldId id="282" r:id="rId18"/>
+    <p:sldId id="283" r:id="rId19"/>
+    <p:sldId id="284" r:id="rId20"/>
+    <p:sldId id="285" r:id="rId21"/>
+    <p:sldId id="286" r:id="rId22"/>
+    <p:sldId id="274" r:id="rId23"/>
+    <p:sldId id="275" r:id="rId24"/>
+    <p:sldId id="276" r:id="rId25"/>
+    <p:sldId id="277" r:id="rId26"/>
+    <p:sldId id="278" r:id="rId27"/>
+    <p:sldId id="279" r:id="rId28"/>
+    <p:sldId id="280" r:id="rId29"/>
+    <p:sldId id="281" r:id="rId30"/>
   </p:sldIdLst>
   <p:sldSz cx="12192000" cy="6858000"/>
   <p:notesSz cx="6858000" cy="9144000"/>
@@ -250,7 +255,7 @@
           <a:p>
             <a:fld id="{1D37B856-BFD1-49C8-B655-7026F6219F25}" type="datetimeFigureOut">
               <a:rPr lang="en-US" smtClean="0"/>
-              <a:t>1/30/2023</a:t>
+              <a:t>4/26/2024</a:t>
             </a:fld>
             <a:endParaRPr lang="en-US"/>
           </a:p>
@@ -630,7 +635,7 @@
           <a:p>
             <a:fld id="{30085F24-4EC7-4076-A28D-FAB8FA483721}" type="slidenum">
               <a:rPr lang="en-US" smtClean="0"/>
-              <a:t>19</a:t>
+              <a:t>24</a:t>
             </a:fld>
             <a:endParaRPr lang="en-US"/>
           </a:p>
@@ -804,7 +809,7 @@
           <a:p>
             <a:fld id="{04068074-E8B0-413D-9F80-02C6B8994309}" type="datetime1">
               <a:rPr lang="en-US" smtClean="0"/>
-              <a:t>1/30/2023</a:t>
+              <a:t>4/26/2024</a:t>
             </a:fld>
             <a:endParaRPr lang="en-US"/>
           </a:p>
@@ -4387,7 +4392,7 @@
           <a:p>
             <a:fld id="{547ADC8B-B9DB-4765-9E51-F7ED696B3521}" type="datetime1">
               <a:rPr lang="en-US" smtClean="0"/>
-              <a:t>1/30/2023</a:t>
+              <a:t>4/26/2024</a:t>
             </a:fld>
             <a:endParaRPr lang="en-US"/>
           </a:p>
@@ -4609,7 +4614,7 @@
           <a:p>
             <a:fld id="{CA21C024-FD78-47EF-B5B3-DACBC1C74ABC}" type="datetime1">
               <a:rPr lang="en-US" smtClean="0"/>
-              <a:t>1/30/2023</a:t>
+              <a:t>4/26/2024</a:t>
             </a:fld>
             <a:endParaRPr lang="en-US"/>
           </a:p>
@@ -4893,7 +4898,7 @@
           <a:p>
             <a:fld id="{F47BDEED-EEA2-4E87-A83B-F939F8929FDE}" type="datetime1">
               <a:rPr lang="en-US" smtClean="0"/>
-              <a:t>1/30/2023</a:t>
+              <a:t>4/26/2024</a:t>
             </a:fld>
             <a:endParaRPr lang="en-US"/>
           </a:p>
@@ -5115,7 +5120,7 @@
           <a:p>
             <a:fld id="{A0B17C8A-89BE-42E5-9885-3B20ACD3CB1C}" type="datetime1">
               <a:rPr lang="en-US" smtClean="0"/>
-              <a:t>1/30/2023</a:t>
+              <a:t>4/26/2024</a:t>
             </a:fld>
             <a:endParaRPr lang="en-US"/>
           </a:p>
@@ -5349,7 +5354,7 @@
           <a:p>
             <a:fld id="{A9870F50-41DE-4122-B4C6-28DD973B92CF}" type="datetime1">
               <a:rPr lang="en-US" smtClean="0"/>
-              <a:t>1/30/2023</a:t>
+              <a:t>4/26/2024</a:t>
             </a:fld>
             <a:endParaRPr lang="en-US"/>
           </a:p>
@@ -5623,7 +5628,7 @@
           <a:p>
             <a:fld id="{0A765BC8-52AC-493F-AF5C-31FD5A63FC12}" type="datetime1">
               <a:rPr lang="en-US" smtClean="0"/>
-              <a:t>1/30/2023</a:t>
+              <a:t>4/26/2024</a:t>
             </a:fld>
             <a:endParaRPr lang="en-US"/>
           </a:p>
@@ -6032,7 +6037,7 @@
           <a:p>
             <a:fld id="{A9CCACDB-29DE-41EC-99EC-A89124E1EE07}" type="datetime1">
               <a:rPr lang="en-US" smtClean="0"/>
-              <a:t>1/30/2023</a:t>
+              <a:t>4/26/2024</a:t>
             </a:fld>
             <a:endParaRPr lang="en-US"/>
           </a:p>
@@ -6192,7 +6197,7 @@
           <a:p>
             <a:fld id="{7E270D95-F5B4-4C80-B571-25B8F3139A6D}" type="datetime1">
               <a:rPr lang="en-US" smtClean="0"/>
-              <a:t>1/30/2023</a:t>
+              <a:t>4/26/2024</a:t>
             </a:fld>
             <a:endParaRPr lang="en-US"/>
           </a:p>
@@ -6329,7 +6334,7 @@
           <a:p>
             <a:fld id="{969F4EC3-740F-4DBA-BAF3-7FD475FA1CE6}" type="datetime1">
               <a:rPr lang="en-US" smtClean="0"/>
-              <a:t>1/30/2023</a:t>
+              <a:t>4/26/2024</a:t>
             </a:fld>
             <a:endParaRPr lang="en-US"/>
           </a:p>
@@ -6648,7 +6653,7 @@
           <a:p>
             <a:fld id="{97813749-77D6-4297-BD42-CD5198BACAC6}" type="datetime1">
               <a:rPr lang="en-US" smtClean="0"/>
-              <a:t>1/30/2023</a:t>
+              <a:t>4/26/2024</a:t>
             </a:fld>
             <a:endParaRPr lang="en-US"/>
           </a:p>
@@ -6947,7 +6952,7 @@
           <a:p>
             <a:fld id="{E3CA50B6-7740-42C5-84F8-2BE6E6252BB5}" type="datetime1">
               <a:rPr lang="en-US" smtClean="0"/>
-              <a:t>1/30/2023</a:t>
+              <a:t>4/26/2024</a:t>
             </a:fld>
             <a:endParaRPr lang="en-US"/>
           </a:p>
@@ -7349,7 +7354,7 @@
           <a:p>
             <a:fld id="{54367F8A-48FF-4359-BDC7-CE34F73B404D}" type="datetime1">
               <a:rPr lang="en-US" smtClean="0"/>
-              <a:t>1/30/2023</a:t>
+              <a:t>4/26/2024</a:t>
             </a:fld>
             <a:endParaRPr lang="en-US"/>
           </a:p>
@@ -11280,7 +11285,7 @@
           <p:cNvPr id="2" name="Title 1">
             <a:extLst>
               <a:ext uri="{FF2B5EF4-FFF2-40B4-BE49-F238E27FC236}">
-                <a16:creationId xmlns:a16="http://schemas.microsoft.com/office/drawing/2014/main" id="{BCAA053B-2541-4A6E-9AD1-5B7EBB4EEB00}"/>
+                <a16:creationId xmlns:a16="http://schemas.microsoft.com/office/drawing/2014/main" id="{FA320632-8E50-A9E6-880F-AE192D9F467D}"/>
               </a:ext>
             </a:extLst>
           </p:cNvPr>
@@ -11288,7 +11293,7 @@
             <a:spLocks noGrp="1"/>
           </p:cNvSpPr>
           <p:nvPr>
-            <p:ph type="ctrTitle"/>
+            <p:ph type="title"/>
           </p:nvPr>
         </p:nvSpPr>
         <p:spPr/>
@@ -11298,17 +11303,17 @@
           <a:p>
             <a:r>
               <a:rPr lang="en-US" dirty="0"/>
-              <a:t>Defect Life Cycle</a:t>
-            </a:r>
-          </a:p>
-        </p:txBody>
-      </p:sp>
-      <p:sp>
-        <p:nvSpPr>
-          <p:cNvPr id="3" name="Subtitle 2">
+              <a:t>Waterfall Testing</a:t>
+            </a:r>
+          </a:p>
+        </p:txBody>
+      </p:sp>
+      <p:sp>
+        <p:nvSpPr>
+          <p:cNvPr id="3" name="Content Placeholder 2">
             <a:extLst>
               <a:ext uri="{FF2B5EF4-FFF2-40B4-BE49-F238E27FC236}">
-                <a16:creationId xmlns:a16="http://schemas.microsoft.com/office/drawing/2014/main" id="{3353212E-C2E6-4A4A-9B5F-8662CFFFF60E}"/>
+                <a16:creationId xmlns:a16="http://schemas.microsoft.com/office/drawing/2014/main" id="{5B2E01EA-547B-1F01-A5C1-95BCBE796D13}"/>
               </a:ext>
             </a:extLst>
           </p:cNvPr>
@@ -11316,7 +11321,7 @@
             <a:spLocks noGrp="1"/>
           </p:cNvSpPr>
           <p:nvPr>
-            <p:ph type="subTitle" idx="1"/>
+            <p:ph idx="1"/>
           </p:nvPr>
         </p:nvSpPr>
         <p:spPr/>
@@ -11324,7 +11329,28 @@
           <a:bodyPr/>
           <a:lstStyle/>
           <a:p>
-            <a:endParaRPr lang="en-US"/>
+            <a:r>
+              <a:rPr lang="en-US" sz="2600" dirty="0"/>
+              <a:t>Waterfall testing is based on the waterfall model, which divides the project into sequential phases, such as requirements, design, development, testing, and deployment. </a:t>
+            </a:r>
+          </a:p>
+          <a:p>
+            <a:r>
+              <a:rPr lang="en-US" sz="2600" dirty="0"/>
+              <a:t>Each phase must be completed and approved before moving to the next one, and changes are difficult to implement once the project is underway. </a:t>
+            </a:r>
+          </a:p>
+          <a:p>
+            <a:r>
+              <a:rPr lang="en-US" sz="2600" dirty="0"/>
+              <a:t>Waterfall testing is usually done at the end of the development phase, after the software is fully coded and integrated. </a:t>
+            </a:r>
+          </a:p>
+          <a:p>
+            <a:r>
+              <a:rPr lang="en-US" sz="2600" dirty="0"/>
+              <a:t>The testing team follows a predefined test plan and uses formal methods to document and report the defects.</a:t>
+            </a:r>
           </a:p>
         </p:txBody>
       </p:sp>
@@ -11333,7 +11359,7 @@
           <p:cNvPr id="4" name="Slide Number Placeholder 3">
             <a:extLst>
               <a:ext uri="{FF2B5EF4-FFF2-40B4-BE49-F238E27FC236}">
-                <a16:creationId xmlns:a16="http://schemas.microsoft.com/office/drawing/2014/main" id="{1F0F413E-FE46-4ED7-B6A7-9188FACDEE27}"/>
+                <a16:creationId xmlns:a16="http://schemas.microsoft.com/office/drawing/2014/main" id="{B21B1FE7-4C16-3F78-214F-3055CF37CA0A}"/>
               </a:ext>
             </a:extLst>
           </p:cNvPr>
@@ -11341,7 +11367,7 @@
             <a:spLocks noGrp="1"/>
           </p:cNvSpPr>
           <p:nvPr>
-            <p:ph type="sldNum" sz="quarter" idx="4"/>
+            <p:ph type="sldNum" sz="quarter" idx="12"/>
           </p:nvPr>
         </p:nvSpPr>
         <p:spPr/>
@@ -11360,7 +11386,7 @@
     </p:spTree>
     <p:extLst>
       <p:ext uri="{BB962C8B-B14F-4D97-AF65-F5344CB8AC3E}">
-        <p14:creationId xmlns:p14="http://schemas.microsoft.com/office/powerpoint/2010/main" val="2161881395"/>
+        <p14:creationId xmlns:p14="http://schemas.microsoft.com/office/powerpoint/2010/main" val="2327158684"/>
       </p:ext>
     </p:extLst>
   </p:cSld>
@@ -11392,7 +11418,7 @@
           <p:cNvPr id="2" name="Title 1">
             <a:extLst>
               <a:ext uri="{FF2B5EF4-FFF2-40B4-BE49-F238E27FC236}">
-                <a16:creationId xmlns:a16="http://schemas.microsoft.com/office/drawing/2014/main" id="{B2E1CB60-C521-4DEF-9334-81886F798FF2}"/>
+                <a16:creationId xmlns:a16="http://schemas.microsoft.com/office/drawing/2014/main" id="{80D2C755-C5E5-4B74-06AC-3ABC08CABB90}"/>
               </a:ext>
             </a:extLst>
           </p:cNvPr>
@@ -11410,7 +11436,7 @@
           <a:p>
             <a:r>
               <a:rPr lang="en-US" dirty="0"/>
-              <a:t>Problems During Development</a:t>
+              <a:t>V Model Testing</a:t>
             </a:r>
           </a:p>
         </p:txBody>
@@ -11420,7 +11446,7 @@
           <p:cNvPr id="3" name="Content Placeholder 2">
             <a:extLst>
               <a:ext uri="{FF2B5EF4-FFF2-40B4-BE49-F238E27FC236}">
-                <a16:creationId xmlns:a16="http://schemas.microsoft.com/office/drawing/2014/main" id="{AF458FD1-E13F-41DE-BBA3-0E7D97EBA757}"/>
+                <a16:creationId xmlns:a16="http://schemas.microsoft.com/office/drawing/2014/main" id="{4DC340C5-549C-5353-A44B-AD993B85790E}"/>
               </a:ext>
             </a:extLst>
           </p:cNvPr>
@@ -11437,63 +11463,21 @@
           <a:lstStyle/>
           <a:p>
             <a:r>
-              <a:rPr lang="en-US" sz="2400" b="1" dirty="0"/>
-              <a:t>Error</a:t>
-            </a:r>
-          </a:p>
-          <a:p>
-            <a:pPr lvl="1"/>
-            <a:r>
-              <a:rPr lang="en-US" sz="2400" dirty="0"/>
-              <a:t>Errors are issues in the code which prevent compilation or running of the actual code. </a:t>
-            </a:r>
-          </a:p>
-          <a:p>
-            <a:pPr lvl="1"/>
-            <a:r>
-              <a:rPr lang="en-US" sz="2400" dirty="0"/>
-              <a:t>Some errors can be found prior to any formal testing phases.</a:t>
-            </a:r>
-          </a:p>
-          <a:p>
-            <a:r>
-              <a:rPr lang="en-US" sz="2400" b="1" dirty="0"/>
-              <a:t>Bug</a:t>
-            </a:r>
-          </a:p>
-          <a:p>
-            <a:pPr lvl="1"/>
-            <a:r>
-              <a:rPr lang="en-US" sz="2400" dirty="0"/>
-              <a:t>Bugs are faults found which impact the performance or functionality of a system or application.</a:t>
-            </a:r>
-          </a:p>
-          <a:p>
-            <a:pPr lvl="1"/>
-            <a:r>
-              <a:rPr lang="en-US" sz="2400" dirty="0"/>
-              <a:t>Bugs are generally found during unit tests</a:t>
-            </a:r>
-          </a:p>
-          <a:p>
-            <a:r>
-              <a:rPr lang="en-US" sz="2400" b="1" dirty="0"/>
-              <a:t>Failure</a:t>
-            </a:r>
-            <a:r>
-              <a:rPr lang="en-US" sz="2400" dirty="0"/>
-              <a:t> </a:t>
-            </a:r>
-          </a:p>
-          <a:p>
-            <a:pPr lvl="1"/>
-            <a:r>
-              <a:rPr lang="en-US" sz="2400" dirty="0"/>
-              <a:t>Issues which are found by the end user, after product completion.</a:t>
-            </a:r>
-          </a:p>
-          <a:p>
-            <a:endParaRPr lang="en-US" sz="2400" dirty="0"/>
+              <a:rPr lang="en-US" dirty="0"/>
+              <a:t>V Model is a highly disciplined SDLC model which has a testing phase parallel to each development phase. </a:t>
+            </a:r>
+          </a:p>
+          <a:p>
+            <a:r>
+              <a:rPr lang="en-US" dirty="0"/>
+              <a:t>The V model is an extension of the waterfall model wherein software development and testing is executed in a sequential way. </a:t>
+            </a:r>
+          </a:p>
+          <a:p>
+            <a:r>
+              <a:rPr lang="en-US" dirty="0"/>
+              <a:t>It is known as the Validation or Verification Model.</a:t>
+            </a:r>
           </a:p>
         </p:txBody>
       </p:sp>
@@ -11502,7 +11486,7 @@
           <p:cNvPr id="4" name="Slide Number Placeholder 3">
             <a:extLst>
               <a:ext uri="{FF2B5EF4-FFF2-40B4-BE49-F238E27FC236}">
-                <a16:creationId xmlns:a16="http://schemas.microsoft.com/office/drawing/2014/main" id="{37FA8970-870E-4FEE-915E-D8BE1E5D38A6}"/>
+                <a16:creationId xmlns:a16="http://schemas.microsoft.com/office/drawing/2014/main" id="{4CA03F2A-12B8-11B3-F437-995DE1925B98}"/>
               </a:ext>
             </a:extLst>
           </p:cNvPr>
@@ -11529,7 +11513,7 @@
     </p:spTree>
     <p:extLst>
       <p:ext uri="{BB962C8B-B14F-4D97-AF65-F5344CB8AC3E}">
-        <p14:creationId xmlns:p14="http://schemas.microsoft.com/office/powerpoint/2010/main" val="14014723"/>
+        <p14:creationId xmlns:p14="http://schemas.microsoft.com/office/powerpoint/2010/main" val="3922785201"/>
       </p:ext>
     </p:extLst>
   </p:cSld>
@@ -11561,7 +11545,7 @@
           <p:cNvPr id="2" name="Title 1">
             <a:extLst>
               <a:ext uri="{FF2B5EF4-FFF2-40B4-BE49-F238E27FC236}">
-                <a16:creationId xmlns:a16="http://schemas.microsoft.com/office/drawing/2014/main" id="{1866212F-154C-483F-9ADC-174E837DCD37}"/>
+                <a16:creationId xmlns:a16="http://schemas.microsoft.com/office/drawing/2014/main" id="{237F307F-7FCC-C77F-C530-E4A70CD72898}"/>
               </a:ext>
             </a:extLst>
           </p:cNvPr>
@@ -11579,7 +11563,7 @@
           <a:p>
             <a:r>
               <a:rPr lang="en-US" dirty="0"/>
-              <a:t>Problems During Development</a:t>
+              <a:t>Agile Testing</a:t>
             </a:r>
           </a:p>
         </p:txBody>
@@ -11589,7 +11573,7 @@
           <p:cNvPr id="3" name="Content Placeholder 2">
             <a:extLst>
               <a:ext uri="{FF2B5EF4-FFF2-40B4-BE49-F238E27FC236}">
-                <a16:creationId xmlns:a16="http://schemas.microsoft.com/office/drawing/2014/main" id="{7086E5C0-BAF6-41C8-922D-3BFD031D2BA2}"/>
+                <a16:creationId xmlns:a16="http://schemas.microsoft.com/office/drawing/2014/main" id="{4C58A5CD-3F4E-FB07-4CB4-BEC24BB6D6E2}"/>
               </a:ext>
             </a:extLst>
           </p:cNvPr>
@@ -11600,79 +11584,33 @@
             <p:ph idx="1"/>
           </p:nvPr>
         </p:nvSpPr>
-        <p:spPr>
-          <a:xfrm>
-            <a:off x="233916" y="1719263"/>
-            <a:ext cx="11621386" cy="4411662"/>
-          </a:xfrm>
-        </p:spPr>
+        <p:spPr/>
         <p:txBody>
           <a:bodyPr/>
           <a:lstStyle/>
           <a:p>
-            <a:pPr>
-              <a:buFont typeface="Arial" panose="020B0604020202020204" pitchFamily="34" charset="0"/>
-              <a:buChar char="•"/>
-            </a:pPr>
-            <a:r>
-              <a:rPr lang="en-US" sz="2600" b="1" dirty="0"/>
-              <a:t>Defect</a:t>
-            </a:r>
-            <a:r>
-              <a:rPr lang="en-US" sz="2400" dirty="0"/>
-              <a:t> </a:t>
-            </a:r>
-          </a:p>
-          <a:p>
-            <a:pPr lvl="1">
-              <a:buFont typeface="Arial" panose="020B0604020202020204" pitchFamily="34" charset="0"/>
-              <a:buChar char="•"/>
-            </a:pPr>
-            <a:r>
-              <a:rPr lang="en-US" sz="2400" dirty="0"/>
-              <a:t>Defects are any systems which deviate from the expect result of an application or software's specification.</a:t>
-            </a:r>
-          </a:p>
-          <a:p>
-            <a:pPr lvl="1">
-              <a:buFont typeface="Arial" panose="020B0604020202020204" pitchFamily="34" charset="0"/>
-              <a:buChar char="•"/>
-            </a:pPr>
-            <a:r>
-              <a:rPr lang="en-US" sz="2400" dirty="0"/>
-              <a:t>Often, bugs and defects are used interchangeably, however, a bug and defect are </a:t>
-            </a:r>
-            <a:r>
-              <a:rPr lang="en-US" sz="2400" b="1" dirty="0"/>
-              <a:t>not</a:t>
-            </a:r>
-            <a:r>
-              <a:rPr lang="en-US" sz="2400" dirty="0"/>
-              <a:t> synonymous.</a:t>
-            </a:r>
-          </a:p>
-          <a:p>
-            <a:pPr lvl="1">
-              <a:buFont typeface="Arial" panose="020B0604020202020204" pitchFamily="34" charset="0"/>
-              <a:buChar char="•"/>
-            </a:pPr>
-            <a:r>
-              <a:rPr lang="en-US" sz="2400" dirty="0"/>
-              <a:t>A bug indicates that there is some sort of performance issue, or useability issue which prevents the software from correctly running, i.e. a functional error. </a:t>
-            </a:r>
-          </a:p>
-          <a:p>
-            <a:pPr lvl="1">
-              <a:buFont typeface="Arial" panose="020B0604020202020204" pitchFamily="34" charset="0"/>
-              <a:buChar char="•"/>
-            </a:pPr>
-            <a:r>
-              <a:rPr lang="en-US" sz="2400" dirty="0"/>
-              <a:t>A defect does not necessarily mean there is a bug in the code, but that the output from some input deviates from what is expected.</a:t>
-            </a:r>
-          </a:p>
-          <a:p>
-            <a:endParaRPr lang="en-US" sz="2400" dirty="0"/>
+            <a:r>
+              <a:rPr lang="en-US" sz="2800" dirty="0"/>
+              <a:t>Agile testing is based on the agile methodology, which emphasizes collaboration, feedback, and adaptation throughout the project. </a:t>
+            </a:r>
+          </a:p>
+          <a:p>
+            <a:r>
+              <a:rPr lang="en-US" sz="2800" dirty="0"/>
+              <a:t>The project is divided into short iterations, called sprints, where the team delivers working software that meets the customer's needs and expectations. </a:t>
+            </a:r>
+          </a:p>
+          <a:p>
+            <a:r>
+              <a:rPr lang="en-US" sz="2800" dirty="0"/>
+              <a:t>Agile testing is done continuously, from the beginning of the project until the end, and involves the whole team, not just the testers. </a:t>
+            </a:r>
+          </a:p>
+          <a:p>
+            <a:r>
+              <a:rPr lang="en-US" sz="2800" dirty="0"/>
+              <a:t>The testing team follows an adaptive test plan and uses informal methods to communicate and resolve the defects.</a:t>
+            </a:r>
           </a:p>
         </p:txBody>
       </p:sp>
@@ -11681,7 +11619,7 @@
           <p:cNvPr id="4" name="Slide Number Placeholder 3">
             <a:extLst>
               <a:ext uri="{FF2B5EF4-FFF2-40B4-BE49-F238E27FC236}">
-                <a16:creationId xmlns:a16="http://schemas.microsoft.com/office/drawing/2014/main" id="{99CDDE07-5997-4718-BBE5-1DB28C3512F3}"/>
+                <a16:creationId xmlns:a16="http://schemas.microsoft.com/office/drawing/2014/main" id="{F7DA0597-4064-CC2C-0293-D737C0C861F3}"/>
               </a:ext>
             </a:extLst>
           </p:cNvPr>
@@ -11708,7 +11646,7 @@
     </p:spTree>
     <p:extLst>
       <p:ext uri="{BB962C8B-B14F-4D97-AF65-F5344CB8AC3E}">
-        <p14:creationId xmlns:p14="http://schemas.microsoft.com/office/powerpoint/2010/main" val="348026642"/>
+        <p14:creationId xmlns:p14="http://schemas.microsoft.com/office/powerpoint/2010/main" val="2100132868"/>
       </p:ext>
     </p:extLst>
   </p:cSld>
@@ -11890,6 +11828,749 @@
           <p:cNvPr id="2" name="Title 1">
             <a:extLst>
               <a:ext uri="{FF2B5EF4-FFF2-40B4-BE49-F238E27FC236}">
+                <a16:creationId xmlns:a16="http://schemas.microsoft.com/office/drawing/2014/main" id="{A3ACC918-0A7F-1833-F7D0-C0F1111B806B}"/>
+              </a:ext>
+            </a:extLst>
+          </p:cNvPr>
+          <p:cNvSpPr>
+            <a:spLocks noGrp="1"/>
+          </p:cNvSpPr>
+          <p:nvPr>
+            <p:ph type="title"/>
+          </p:nvPr>
+        </p:nvSpPr>
+        <p:spPr/>
+        <p:txBody>
+          <a:bodyPr/>
+          <a:lstStyle/>
+          <a:p>
+            <a:r>
+              <a:rPr lang="en-US" sz="4000" dirty="0"/>
+              <a:t>Differences between agile and waterfall testing</a:t>
+            </a:r>
+          </a:p>
+        </p:txBody>
+      </p:sp>
+      <p:sp>
+        <p:nvSpPr>
+          <p:cNvPr id="3" name="Content Placeholder 2">
+            <a:extLst>
+              <a:ext uri="{FF2B5EF4-FFF2-40B4-BE49-F238E27FC236}">
+                <a16:creationId xmlns:a16="http://schemas.microsoft.com/office/drawing/2014/main" id="{0E134CBA-91F7-22E5-D33F-266ECDCAD712}"/>
+              </a:ext>
+            </a:extLst>
+          </p:cNvPr>
+          <p:cNvSpPr>
+            <a:spLocks noGrp="1"/>
+          </p:cNvSpPr>
+          <p:nvPr>
+            <p:ph idx="1"/>
+          </p:nvPr>
+        </p:nvSpPr>
+        <p:spPr/>
+        <p:txBody>
+          <a:bodyPr/>
+          <a:lstStyle/>
+          <a:p>
+            <a:r>
+              <a:rPr lang="en-US" sz="2800" dirty="0"/>
+              <a:t>One of the main differences between agile and waterfall testing is the timing and frequency of testing. </a:t>
+            </a:r>
+          </a:p>
+          <a:p>
+            <a:r>
+              <a:rPr lang="en-US" sz="2800" dirty="0"/>
+              <a:t>In waterfall testing, testing is done once, at the end of the development phase, and it may take a long time to complete. </a:t>
+            </a:r>
+          </a:p>
+          <a:p>
+            <a:r>
+              <a:rPr lang="en-US" sz="2800" dirty="0"/>
+              <a:t>In agile testing, testing is done throughout the project, in every sprint, and it is done in parallel with development. </a:t>
+            </a:r>
+          </a:p>
+          <a:p>
+            <a:r>
+              <a:rPr lang="en-US" sz="2800" dirty="0"/>
+              <a:t>This means that agile testing can detect and fix defects earlier, reduce rework, and deliver faster feedback.</a:t>
+            </a:r>
+          </a:p>
+          <a:p>
+            <a:endParaRPr lang="en-US" sz="2800" dirty="0"/>
+          </a:p>
+        </p:txBody>
+      </p:sp>
+      <p:sp>
+        <p:nvSpPr>
+          <p:cNvPr id="4" name="Slide Number Placeholder 3">
+            <a:extLst>
+              <a:ext uri="{FF2B5EF4-FFF2-40B4-BE49-F238E27FC236}">
+                <a16:creationId xmlns:a16="http://schemas.microsoft.com/office/drawing/2014/main" id="{3F832D32-D815-0185-3BDB-21C76CCC6F82}"/>
+              </a:ext>
+            </a:extLst>
+          </p:cNvPr>
+          <p:cNvSpPr>
+            <a:spLocks noGrp="1"/>
+          </p:cNvSpPr>
+          <p:nvPr>
+            <p:ph type="sldNum" sz="quarter" idx="12"/>
+          </p:nvPr>
+        </p:nvSpPr>
+        <p:spPr/>
+        <p:txBody>
+          <a:bodyPr/>
+          <a:lstStyle/>
+          <a:p>
+            <a:fld id="{E864CD6C-9898-4100-B337-8DF0A1BEC126}" type="slidenum">
+              <a:rPr lang="en-US" smtClean="0"/>
+              <a:t>20</a:t>
+            </a:fld>
+            <a:endParaRPr lang="en-US"/>
+          </a:p>
+        </p:txBody>
+      </p:sp>
+    </p:spTree>
+    <p:extLst>
+      <p:ext uri="{BB962C8B-B14F-4D97-AF65-F5344CB8AC3E}">
+        <p14:creationId xmlns:p14="http://schemas.microsoft.com/office/powerpoint/2010/main" val="326499059"/>
+      </p:ext>
+    </p:extLst>
+  </p:cSld>
+  <p:clrMapOvr>
+    <a:masterClrMapping/>
+  </p:clrMapOvr>
+</p:sld>
+</file>
+
+<file path=ppt/slides/slide21.xml><?xml version="1.0" encoding="utf-8"?>
+<p:sld xmlns:a="http://schemas.openxmlformats.org/drawingml/2006/main" xmlns:r="http://schemas.openxmlformats.org/officeDocument/2006/relationships" xmlns:p="http://schemas.openxmlformats.org/presentationml/2006/main">
+  <p:cSld>
+    <p:spTree>
+      <p:nvGrpSpPr>
+        <p:cNvPr id="1" name=""/>
+        <p:cNvGrpSpPr/>
+        <p:nvPr/>
+      </p:nvGrpSpPr>
+      <p:grpSpPr>
+        <a:xfrm>
+          <a:off x="0" y="0"/>
+          <a:ext cx="0" cy="0"/>
+          <a:chOff x="0" y="0"/>
+          <a:chExt cx="0" cy="0"/>
+        </a:xfrm>
+      </p:grpSpPr>
+      <p:sp>
+        <p:nvSpPr>
+          <p:cNvPr id="2" name="Title 1">
+            <a:extLst>
+              <a:ext uri="{FF2B5EF4-FFF2-40B4-BE49-F238E27FC236}">
+                <a16:creationId xmlns:a16="http://schemas.microsoft.com/office/drawing/2014/main" id="{62D3CD4F-165A-DBAF-4387-2B12068E2C50}"/>
+              </a:ext>
+            </a:extLst>
+          </p:cNvPr>
+          <p:cNvSpPr>
+            <a:spLocks noGrp="1"/>
+          </p:cNvSpPr>
+          <p:nvPr>
+            <p:ph type="title"/>
+          </p:nvPr>
+        </p:nvSpPr>
+        <p:spPr/>
+        <p:txBody>
+          <a:bodyPr/>
+          <a:lstStyle/>
+          <a:p>
+            <a:r>
+              <a:rPr lang="en-US" dirty="0"/>
+              <a:t>Differences between agile and waterfall testing</a:t>
+            </a:r>
+          </a:p>
+        </p:txBody>
+      </p:sp>
+      <p:sp>
+        <p:nvSpPr>
+          <p:cNvPr id="3" name="Content Placeholder 2">
+            <a:extLst>
+              <a:ext uri="{FF2B5EF4-FFF2-40B4-BE49-F238E27FC236}">
+                <a16:creationId xmlns:a16="http://schemas.microsoft.com/office/drawing/2014/main" id="{AA9DB25C-F42B-6E9A-185B-16792F780A4D}"/>
+              </a:ext>
+            </a:extLst>
+          </p:cNvPr>
+          <p:cNvSpPr>
+            <a:spLocks noGrp="1"/>
+          </p:cNvSpPr>
+          <p:nvPr>
+            <p:ph idx="1"/>
+          </p:nvPr>
+        </p:nvSpPr>
+        <p:spPr>
+          <a:xfrm>
+            <a:off x="609600" y="1719263"/>
+            <a:ext cx="11342914" cy="4411662"/>
+          </a:xfrm>
+        </p:spPr>
+        <p:txBody>
+          <a:bodyPr/>
+          <a:lstStyle/>
+          <a:p>
+            <a:r>
+              <a:rPr lang="en-US" sz="2700" dirty="0"/>
+              <a:t>Another difference is the scope and flexibility of testing. </a:t>
+            </a:r>
+          </a:p>
+          <a:p>
+            <a:r>
+              <a:rPr lang="en-US" sz="2700" dirty="0"/>
+              <a:t>In waterfall testing, testing is based on a fixed scope and requirements that are defined upfront and rarely change. </a:t>
+            </a:r>
+          </a:p>
+          <a:p>
+            <a:r>
+              <a:rPr lang="en-US" sz="2700" dirty="0"/>
+              <a:t>In agile testing, testing is based on a dynamic scope and requirements that are constantly evolving and prioritized by the customer. </a:t>
+            </a:r>
+          </a:p>
+          <a:p>
+            <a:r>
+              <a:rPr lang="en-US" sz="2700" dirty="0"/>
+              <a:t>This means that waterfall testing can ensure compliance and completeness of the software, but it may not meet the changing needs and preferences of the customer. </a:t>
+            </a:r>
+          </a:p>
+          <a:p>
+            <a:r>
+              <a:rPr lang="en-US" sz="2700" dirty="0"/>
+              <a:t>Agile testing can respond to changes and deliver value to the customer, but it may not cover all the possible scenarios and risks of the software.</a:t>
+            </a:r>
+          </a:p>
+          <a:p>
+            <a:endParaRPr lang="en-US" sz="2700" dirty="0"/>
+          </a:p>
+        </p:txBody>
+      </p:sp>
+      <p:sp>
+        <p:nvSpPr>
+          <p:cNvPr id="4" name="Slide Number Placeholder 3">
+            <a:extLst>
+              <a:ext uri="{FF2B5EF4-FFF2-40B4-BE49-F238E27FC236}">
+                <a16:creationId xmlns:a16="http://schemas.microsoft.com/office/drawing/2014/main" id="{5D833883-471B-D675-096A-9E91DB390332}"/>
+              </a:ext>
+            </a:extLst>
+          </p:cNvPr>
+          <p:cNvSpPr>
+            <a:spLocks noGrp="1"/>
+          </p:cNvSpPr>
+          <p:nvPr>
+            <p:ph type="sldNum" sz="quarter" idx="12"/>
+          </p:nvPr>
+        </p:nvSpPr>
+        <p:spPr/>
+        <p:txBody>
+          <a:bodyPr/>
+          <a:lstStyle/>
+          <a:p>
+            <a:fld id="{E864CD6C-9898-4100-B337-8DF0A1BEC126}" type="slidenum">
+              <a:rPr lang="en-US" smtClean="0"/>
+              <a:t>21</a:t>
+            </a:fld>
+            <a:endParaRPr lang="en-US"/>
+          </a:p>
+        </p:txBody>
+      </p:sp>
+    </p:spTree>
+    <p:extLst>
+      <p:ext uri="{BB962C8B-B14F-4D97-AF65-F5344CB8AC3E}">
+        <p14:creationId xmlns:p14="http://schemas.microsoft.com/office/powerpoint/2010/main" val="390954253"/>
+      </p:ext>
+    </p:extLst>
+  </p:cSld>
+  <p:clrMapOvr>
+    <a:masterClrMapping/>
+  </p:clrMapOvr>
+</p:sld>
+</file>
+
+<file path=ppt/slides/slide22.xml><?xml version="1.0" encoding="utf-8"?>
+<p:sld xmlns:a="http://schemas.openxmlformats.org/drawingml/2006/main" xmlns:r="http://schemas.openxmlformats.org/officeDocument/2006/relationships" xmlns:p="http://schemas.openxmlformats.org/presentationml/2006/main">
+  <p:cSld>
+    <p:spTree>
+      <p:nvGrpSpPr>
+        <p:cNvPr id="1" name=""/>
+        <p:cNvGrpSpPr/>
+        <p:nvPr/>
+      </p:nvGrpSpPr>
+      <p:grpSpPr>
+        <a:xfrm>
+          <a:off x="0" y="0"/>
+          <a:ext cx="0" cy="0"/>
+          <a:chOff x="0" y="0"/>
+          <a:chExt cx="0" cy="0"/>
+        </a:xfrm>
+      </p:grpSpPr>
+      <p:sp>
+        <p:nvSpPr>
+          <p:cNvPr id="2" name="Title 1">
+            <a:extLst>
+              <a:ext uri="{FF2B5EF4-FFF2-40B4-BE49-F238E27FC236}">
+                <a16:creationId xmlns:a16="http://schemas.microsoft.com/office/drawing/2014/main" id="{BCAA053B-2541-4A6E-9AD1-5B7EBB4EEB00}"/>
+              </a:ext>
+            </a:extLst>
+          </p:cNvPr>
+          <p:cNvSpPr>
+            <a:spLocks noGrp="1"/>
+          </p:cNvSpPr>
+          <p:nvPr>
+            <p:ph type="ctrTitle"/>
+          </p:nvPr>
+        </p:nvSpPr>
+        <p:spPr/>
+        <p:txBody>
+          <a:bodyPr/>
+          <a:lstStyle/>
+          <a:p>
+            <a:r>
+              <a:rPr lang="en-US" dirty="0"/>
+              <a:t>Defect Life Cycle</a:t>
+            </a:r>
+          </a:p>
+        </p:txBody>
+      </p:sp>
+      <p:sp>
+        <p:nvSpPr>
+          <p:cNvPr id="3" name="Subtitle 2">
+            <a:extLst>
+              <a:ext uri="{FF2B5EF4-FFF2-40B4-BE49-F238E27FC236}">
+                <a16:creationId xmlns:a16="http://schemas.microsoft.com/office/drawing/2014/main" id="{3353212E-C2E6-4A4A-9B5F-8662CFFFF60E}"/>
+              </a:ext>
+            </a:extLst>
+          </p:cNvPr>
+          <p:cNvSpPr>
+            <a:spLocks noGrp="1"/>
+          </p:cNvSpPr>
+          <p:nvPr>
+            <p:ph type="subTitle" idx="1"/>
+          </p:nvPr>
+        </p:nvSpPr>
+        <p:spPr/>
+        <p:txBody>
+          <a:bodyPr/>
+          <a:lstStyle/>
+          <a:p>
+            <a:endParaRPr lang="en-US"/>
+          </a:p>
+        </p:txBody>
+      </p:sp>
+      <p:sp>
+        <p:nvSpPr>
+          <p:cNvPr id="4" name="Slide Number Placeholder 3">
+            <a:extLst>
+              <a:ext uri="{FF2B5EF4-FFF2-40B4-BE49-F238E27FC236}">
+                <a16:creationId xmlns:a16="http://schemas.microsoft.com/office/drawing/2014/main" id="{1F0F413E-FE46-4ED7-B6A7-9188FACDEE27}"/>
+              </a:ext>
+            </a:extLst>
+          </p:cNvPr>
+          <p:cNvSpPr>
+            <a:spLocks noGrp="1"/>
+          </p:cNvSpPr>
+          <p:nvPr>
+            <p:ph type="sldNum" sz="quarter" idx="4"/>
+          </p:nvPr>
+        </p:nvSpPr>
+        <p:spPr/>
+        <p:txBody>
+          <a:bodyPr/>
+          <a:lstStyle/>
+          <a:p>
+            <a:fld id="{E864CD6C-9898-4100-B337-8DF0A1BEC126}" type="slidenum">
+              <a:rPr lang="en-US" smtClean="0"/>
+              <a:t>22</a:t>
+            </a:fld>
+            <a:endParaRPr lang="en-US"/>
+          </a:p>
+        </p:txBody>
+      </p:sp>
+    </p:spTree>
+    <p:extLst>
+      <p:ext uri="{BB962C8B-B14F-4D97-AF65-F5344CB8AC3E}">
+        <p14:creationId xmlns:p14="http://schemas.microsoft.com/office/powerpoint/2010/main" val="2161881395"/>
+      </p:ext>
+    </p:extLst>
+  </p:cSld>
+  <p:clrMapOvr>
+    <a:masterClrMapping/>
+  </p:clrMapOvr>
+</p:sld>
+</file>
+
+<file path=ppt/slides/slide23.xml><?xml version="1.0" encoding="utf-8"?>
+<p:sld xmlns:a="http://schemas.openxmlformats.org/drawingml/2006/main" xmlns:r="http://schemas.openxmlformats.org/officeDocument/2006/relationships" xmlns:p="http://schemas.openxmlformats.org/presentationml/2006/main">
+  <p:cSld>
+    <p:spTree>
+      <p:nvGrpSpPr>
+        <p:cNvPr id="1" name=""/>
+        <p:cNvGrpSpPr/>
+        <p:nvPr/>
+      </p:nvGrpSpPr>
+      <p:grpSpPr>
+        <a:xfrm>
+          <a:off x="0" y="0"/>
+          <a:ext cx="0" cy="0"/>
+          <a:chOff x="0" y="0"/>
+          <a:chExt cx="0" cy="0"/>
+        </a:xfrm>
+      </p:grpSpPr>
+      <p:sp>
+        <p:nvSpPr>
+          <p:cNvPr id="2" name="Title 1">
+            <a:extLst>
+              <a:ext uri="{FF2B5EF4-FFF2-40B4-BE49-F238E27FC236}">
+                <a16:creationId xmlns:a16="http://schemas.microsoft.com/office/drawing/2014/main" id="{B2E1CB60-C521-4DEF-9334-81886F798FF2}"/>
+              </a:ext>
+            </a:extLst>
+          </p:cNvPr>
+          <p:cNvSpPr>
+            <a:spLocks noGrp="1"/>
+          </p:cNvSpPr>
+          <p:nvPr>
+            <p:ph type="title"/>
+          </p:nvPr>
+        </p:nvSpPr>
+        <p:spPr/>
+        <p:txBody>
+          <a:bodyPr/>
+          <a:lstStyle/>
+          <a:p>
+            <a:r>
+              <a:rPr lang="en-US" dirty="0"/>
+              <a:t>Problems During Development</a:t>
+            </a:r>
+          </a:p>
+        </p:txBody>
+      </p:sp>
+      <p:sp>
+        <p:nvSpPr>
+          <p:cNvPr id="3" name="Content Placeholder 2">
+            <a:extLst>
+              <a:ext uri="{FF2B5EF4-FFF2-40B4-BE49-F238E27FC236}">
+                <a16:creationId xmlns:a16="http://schemas.microsoft.com/office/drawing/2014/main" id="{AF458FD1-E13F-41DE-BBA3-0E7D97EBA757}"/>
+              </a:ext>
+            </a:extLst>
+          </p:cNvPr>
+          <p:cNvSpPr>
+            <a:spLocks noGrp="1"/>
+          </p:cNvSpPr>
+          <p:nvPr>
+            <p:ph idx="1"/>
+          </p:nvPr>
+        </p:nvSpPr>
+        <p:spPr/>
+        <p:txBody>
+          <a:bodyPr/>
+          <a:lstStyle/>
+          <a:p>
+            <a:r>
+              <a:rPr lang="en-US" sz="2400" b="1" dirty="0"/>
+              <a:t>Error</a:t>
+            </a:r>
+          </a:p>
+          <a:p>
+            <a:pPr lvl="1"/>
+            <a:r>
+              <a:rPr lang="en-US" sz="2400" dirty="0"/>
+              <a:t>Errors are issues in the code which prevent compilation or running of the actual code. </a:t>
+            </a:r>
+          </a:p>
+          <a:p>
+            <a:pPr lvl="1"/>
+            <a:r>
+              <a:rPr lang="en-US" sz="2400" dirty="0"/>
+              <a:t>Some errors can be found prior to any formal testing phases.</a:t>
+            </a:r>
+          </a:p>
+          <a:p>
+            <a:r>
+              <a:rPr lang="en-US" sz="2400" b="1" dirty="0"/>
+              <a:t>Bug</a:t>
+            </a:r>
+          </a:p>
+          <a:p>
+            <a:pPr lvl="1"/>
+            <a:r>
+              <a:rPr lang="en-US" sz="2400" dirty="0"/>
+              <a:t>Bugs are faults found which impact the performance or functionality of a system or application.</a:t>
+            </a:r>
+          </a:p>
+          <a:p>
+            <a:pPr lvl="1"/>
+            <a:r>
+              <a:rPr lang="en-US" sz="2400" dirty="0"/>
+              <a:t>Bugs are generally found during unit tests</a:t>
+            </a:r>
+          </a:p>
+          <a:p>
+            <a:r>
+              <a:rPr lang="en-US" sz="2400" b="1" dirty="0"/>
+              <a:t>Failure</a:t>
+            </a:r>
+            <a:r>
+              <a:rPr lang="en-US" sz="2400" dirty="0"/>
+              <a:t> </a:t>
+            </a:r>
+          </a:p>
+          <a:p>
+            <a:pPr lvl="1"/>
+            <a:r>
+              <a:rPr lang="en-US" sz="2400" dirty="0"/>
+              <a:t>Issues which are found by the end user, after product completion.</a:t>
+            </a:r>
+          </a:p>
+          <a:p>
+            <a:endParaRPr lang="en-US" sz="2400" dirty="0"/>
+          </a:p>
+        </p:txBody>
+      </p:sp>
+      <p:sp>
+        <p:nvSpPr>
+          <p:cNvPr id="4" name="Slide Number Placeholder 3">
+            <a:extLst>
+              <a:ext uri="{FF2B5EF4-FFF2-40B4-BE49-F238E27FC236}">
+                <a16:creationId xmlns:a16="http://schemas.microsoft.com/office/drawing/2014/main" id="{37FA8970-870E-4FEE-915E-D8BE1E5D38A6}"/>
+              </a:ext>
+            </a:extLst>
+          </p:cNvPr>
+          <p:cNvSpPr>
+            <a:spLocks noGrp="1"/>
+          </p:cNvSpPr>
+          <p:nvPr>
+            <p:ph type="sldNum" sz="quarter" idx="12"/>
+          </p:nvPr>
+        </p:nvSpPr>
+        <p:spPr/>
+        <p:txBody>
+          <a:bodyPr/>
+          <a:lstStyle/>
+          <a:p>
+            <a:fld id="{E864CD6C-9898-4100-B337-8DF0A1BEC126}" type="slidenum">
+              <a:rPr lang="en-US" smtClean="0"/>
+              <a:t>23</a:t>
+            </a:fld>
+            <a:endParaRPr lang="en-US"/>
+          </a:p>
+        </p:txBody>
+      </p:sp>
+    </p:spTree>
+    <p:extLst>
+      <p:ext uri="{BB962C8B-B14F-4D97-AF65-F5344CB8AC3E}">
+        <p14:creationId xmlns:p14="http://schemas.microsoft.com/office/powerpoint/2010/main" val="14014723"/>
+      </p:ext>
+    </p:extLst>
+  </p:cSld>
+  <p:clrMapOvr>
+    <a:masterClrMapping/>
+  </p:clrMapOvr>
+</p:sld>
+</file>
+
+<file path=ppt/slides/slide24.xml><?xml version="1.0" encoding="utf-8"?>
+<p:sld xmlns:a="http://schemas.openxmlformats.org/drawingml/2006/main" xmlns:r="http://schemas.openxmlformats.org/officeDocument/2006/relationships" xmlns:p="http://schemas.openxmlformats.org/presentationml/2006/main">
+  <p:cSld>
+    <p:spTree>
+      <p:nvGrpSpPr>
+        <p:cNvPr id="1" name=""/>
+        <p:cNvGrpSpPr/>
+        <p:nvPr/>
+      </p:nvGrpSpPr>
+      <p:grpSpPr>
+        <a:xfrm>
+          <a:off x="0" y="0"/>
+          <a:ext cx="0" cy="0"/>
+          <a:chOff x="0" y="0"/>
+          <a:chExt cx="0" cy="0"/>
+        </a:xfrm>
+      </p:grpSpPr>
+      <p:sp>
+        <p:nvSpPr>
+          <p:cNvPr id="2" name="Title 1">
+            <a:extLst>
+              <a:ext uri="{FF2B5EF4-FFF2-40B4-BE49-F238E27FC236}">
+                <a16:creationId xmlns:a16="http://schemas.microsoft.com/office/drawing/2014/main" id="{1866212F-154C-483F-9ADC-174E837DCD37}"/>
+              </a:ext>
+            </a:extLst>
+          </p:cNvPr>
+          <p:cNvSpPr>
+            <a:spLocks noGrp="1"/>
+          </p:cNvSpPr>
+          <p:nvPr>
+            <p:ph type="title"/>
+          </p:nvPr>
+        </p:nvSpPr>
+        <p:spPr/>
+        <p:txBody>
+          <a:bodyPr/>
+          <a:lstStyle/>
+          <a:p>
+            <a:r>
+              <a:rPr lang="en-US" dirty="0"/>
+              <a:t>Problems During Development</a:t>
+            </a:r>
+          </a:p>
+        </p:txBody>
+      </p:sp>
+      <p:sp>
+        <p:nvSpPr>
+          <p:cNvPr id="3" name="Content Placeholder 2">
+            <a:extLst>
+              <a:ext uri="{FF2B5EF4-FFF2-40B4-BE49-F238E27FC236}">
+                <a16:creationId xmlns:a16="http://schemas.microsoft.com/office/drawing/2014/main" id="{7086E5C0-BAF6-41C8-922D-3BFD031D2BA2}"/>
+              </a:ext>
+            </a:extLst>
+          </p:cNvPr>
+          <p:cNvSpPr>
+            <a:spLocks noGrp="1"/>
+          </p:cNvSpPr>
+          <p:nvPr>
+            <p:ph idx="1"/>
+          </p:nvPr>
+        </p:nvSpPr>
+        <p:spPr>
+          <a:xfrm>
+            <a:off x="233916" y="1719263"/>
+            <a:ext cx="11621386" cy="4411662"/>
+          </a:xfrm>
+        </p:spPr>
+        <p:txBody>
+          <a:bodyPr/>
+          <a:lstStyle/>
+          <a:p>
+            <a:pPr>
+              <a:buFont typeface="Arial" panose="020B0604020202020204" pitchFamily="34" charset="0"/>
+              <a:buChar char="•"/>
+            </a:pPr>
+            <a:r>
+              <a:rPr lang="en-US" sz="2600" b="1" dirty="0"/>
+              <a:t>Defect</a:t>
+            </a:r>
+            <a:r>
+              <a:rPr lang="en-US" sz="2400" dirty="0"/>
+              <a:t> </a:t>
+            </a:r>
+          </a:p>
+          <a:p>
+            <a:pPr lvl="1">
+              <a:buFont typeface="Arial" panose="020B0604020202020204" pitchFamily="34" charset="0"/>
+              <a:buChar char="•"/>
+            </a:pPr>
+            <a:r>
+              <a:rPr lang="en-US" sz="2400" dirty="0"/>
+              <a:t>Defects are any systems which deviate from the expect result of an application or software's specification.</a:t>
+            </a:r>
+          </a:p>
+          <a:p>
+            <a:pPr lvl="1">
+              <a:buFont typeface="Arial" panose="020B0604020202020204" pitchFamily="34" charset="0"/>
+              <a:buChar char="•"/>
+            </a:pPr>
+            <a:r>
+              <a:rPr lang="en-US" sz="2400" dirty="0"/>
+              <a:t>Often, bugs and defects are used interchangeably, however, a bug and defect are </a:t>
+            </a:r>
+            <a:r>
+              <a:rPr lang="en-US" sz="2400" b="1" dirty="0"/>
+              <a:t>not</a:t>
+            </a:r>
+            <a:r>
+              <a:rPr lang="en-US" sz="2400" dirty="0"/>
+              <a:t> synonymous.</a:t>
+            </a:r>
+          </a:p>
+          <a:p>
+            <a:pPr lvl="1">
+              <a:buFont typeface="Arial" panose="020B0604020202020204" pitchFamily="34" charset="0"/>
+              <a:buChar char="•"/>
+            </a:pPr>
+            <a:r>
+              <a:rPr lang="en-US" sz="2400" dirty="0"/>
+              <a:t>A bug indicates that there is some sort of performance issue, or useability issue which prevents the software from correctly running, i.e. a functional error. </a:t>
+            </a:r>
+          </a:p>
+          <a:p>
+            <a:pPr lvl="1">
+              <a:buFont typeface="Arial" panose="020B0604020202020204" pitchFamily="34" charset="0"/>
+              <a:buChar char="•"/>
+            </a:pPr>
+            <a:r>
+              <a:rPr lang="en-US" sz="2400" dirty="0"/>
+              <a:t>A defect does not necessarily mean there is a bug in the code, but that the output from some input deviates from what is expected.</a:t>
+            </a:r>
+          </a:p>
+          <a:p>
+            <a:endParaRPr lang="en-US" sz="2400" dirty="0"/>
+          </a:p>
+        </p:txBody>
+      </p:sp>
+      <p:sp>
+        <p:nvSpPr>
+          <p:cNvPr id="4" name="Slide Number Placeholder 3">
+            <a:extLst>
+              <a:ext uri="{FF2B5EF4-FFF2-40B4-BE49-F238E27FC236}">
+                <a16:creationId xmlns:a16="http://schemas.microsoft.com/office/drawing/2014/main" id="{99CDDE07-5997-4718-BBE5-1DB28C3512F3}"/>
+              </a:ext>
+            </a:extLst>
+          </p:cNvPr>
+          <p:cNvSpPr>
+            <a:spLocks noGrp="1"/>
+          </p:cNvSpPr>
+          <p:nvPr>
+            <p:ph type="sldNum" sz="quarter" idx="12"/>
+          </p:nvPr>
+        </p:nvSpPr>
+        <p:spPr/>
+        <p:txBody>
+          <a:bodyPr/>
+          <a:lstStyle/>
+          <a:p>
+            <a:fld id="{E864CD6C-9898-4100-B337-8DF0A1BEC126}" type="slidenum">
+              <a:rPr lang="en-US" smtClean="0"/>
+              <a:t>24</a:t>
+            </a:fld>
+            <a:endParaRPr lang="en-US"/>
+          </a:p>
+        </p:txBody>
+      </p:sp>
+    </p:spTree>
+    <p:extLst>
+      <p:ext uri="{BB962C8B-B14F-4D97-AF65-F5344CB8AC3E}">
+        <p14:creationId xmlns:p14="http://schemas.microsoft.com/office/powerpoint/2010/main" val="348026642"/>
+      </p:ext>
+    </p:extLst>
+  </p:cSld>
+  <p:clrMapOvr>
+    <a:masterClrMapping/>
+  </p:clrMapOvr>
+</p:sld>
+</file>
+
+<file path=ppt/slides/slide25.xml><?xml version="1.0" encoding="utf-8"?>
+<p:sld xmlns:a="http://schemas.openxmlformats.org/drawingml/2006/main" xmlns:r="http://schemas.openxmlformats.org/officeDocument/2006/relationships" xmlns:p="http://schemas.openxmlformats.org/presentationml/2006/main">
+  <p:cSld>
+    <p:spTree>
+      <p:nvGrpSpPr>
+        <p:cNvPr id="1" name=""/>
+        <p:cNvGrpSpPr/>
+        <p:nvPr/>
+      </p:nvGrpSpPr>
+      <p:grpSpPr>
+        <a:xfrm>
+          <a:off x="0" y="0"/>
+          <a:ext cx="0" cy="0"/>
+          <a:chOff x="0" y="0"/>
+          <a:chExt cx="0" cy="0"/>
+        </a:xfrm>
+      </p:grpSpPr>
+      <p:sp>
+        <p:nvSpPr>
+          <p:cNvPr id="2" name="Title 1">
+            <a:extLst>
+              <a:ext uri="{FF2B5EF4-FFF2-40B4-BE49-F238E27FC236}">
                 <a16:creationId xmlns:a16="http://schemas.microsoft.com/office/drawing/2014/main" id="{9CB1F70A-3704-435F-85AD-C9E29A54FE09}"/>
               </a:ext>
             </a:extLst>
@@ -11982,7 +12663,7 @@
           <a:p>
             <a:fld id="{E864CD6C-9898-4100-B337-8DF0A1BEC126}" type="slidenum">
               <a:rPr lang="en-US" smtClean="0"/>
-              <a:t>20</a:t>
+              <a:t>25</a:t>
             </a:fld>
             <a:endParaRPr lang="en-US"/>
           </a:p>
@@ -12037,7 +12718,7 @@
 </p:sld>
 </file>
 
-<file path=ppt/slides/slide21.xml><?xml version="1.0" encoding="utf-8"?>
+<file path=ppt/slides/slide26.xml><?xml version="1.0" encoding="utf-8"?>
 <p:sld xmlns:a="http://schemas.openxmlformats.org/drawingml/2006/main" xmlns:r="http://schemas.openxmlformats.org/officeDocument/2006/relationships" xmlns:p="http://schemas.openxmlformats.org/presentationml/2006/main">
   <p:cSld>
     <p:spTree>
@@ -12105,7 +12786,7 @@
           <a:p>
             <a:fld id="{E864CD6C-9898-4100-B337-8DF0A1BEC126}" type="slidenum">
               <a:rPr lang="en-US" smtClean="0"/>
-              <a:t>21</a:t>
+              <a:t>26</a:t>
             </a:fld>
             <a:endParaRPr lang="en-US"/>
           </a:p>
@@ -12401,7 +13082,7 @@
 </p:sld>
 </file>
 
-<file path=ppt/slides/slide22.xml><?xml version="1.0" encoding="utf-8"?>
+<file path=ppt/slides/slide27.xml><?xml version="1.0" encoding="utf-8"?>
 <p:sld xmlns:a="http://schemas.openxmlformats.org/drawingml/2006/main" xmlns:r="http://schemas.openxmlformats.org/officeDocument/2006/relationships" xmlns:p="http://schemas.openxmlformats.org/presentationml/2006/main">
   <p:cSld>
     <p:spTree>
@@ -12469,7 +13150,7 @@
           <a:p>
             <a:fld id="{E864CD6C-9898-4100-B337-8DF0A1BEC126}" type="slidenum">
               <a:rPr lang="en-US" smtClean="0"/>
-              <a:t>22</a:t>
+              <a:t>27</a:t>
             </a:fld>
             <a:endParaRPr lang="en-US"/>
           </a:p>
@@ -12790,7 +13471,7 @@
 </p:sld>
 </file>
 
-<file path=ppt/slides/slide23.xml><?xml version="1.0" encoding="utf-8"?>
+<file path=ppt/slides/slide28.xml><?xml version="1.0" encoding="utf-8"?>
 <p:sld xmlns:a="http://schemas.openxmlformats.org/drawingml/2006/main" xmlns:r="http://schemas.openxmlformats.org/officeDocument/2006/relationships" xmlns:p="http://schemas.openxmlformats.org/presentationml/2006/main">
   <p:cSld>
     <p:spTree>
@@ -12858,7 +13539,7 @@
           <a:p>
             <a:fld id="{E864CD6C-9898-4100-B337-8DF0A1BEC126}" type="slidenum">
               <a:rPr lang="en-US" smtClean="0"/>
-              <a:t>23</a:t>
+              <a:t>28</a:t>
             </a:fld>
             <a:endParaRPr lang="en-US"/>
           </a:p>
@@ -13186,7 +13867,7 @@
 </p:sld>
 </file>
 
-<file path=ppt/slides/slide24.xml><?xml version="1.0" encoding="utf-8"?>
+<file path=ppt/slides/slide29.xml><?xml version="1.0" encoding="utf-8"?>
 <p:sld xmlns:a="http://schemas.openxmlformats.org/drawingml/2006/main" xmlns:r="http://schemas.openxmlformats.org/officeDocument/2006/relationships" xmlns:p="http://schemas.openxmlformats.org/presentationml/2006/main">
   <p:cSld>
     <p:spTree>
@@ -13283,7 +13964,7 @@
           <a:p>
             <a:fld id="{E864CD6C-9898-4100-B337-8DF0A1BEC126}" type="slidenum">
               <a:rPr lang="en-US" smtClean="0"/>
-              <a:t>24</a:t>
+              <a:t>29</a:t>
             </a:fld>
             <a:endParaRPr lang="en-US"/>
           </a:p>
